--- a/2.智科-考研专区/HDU智科专业考研指引v1.pptx
+++ b/2.智科-考研专区/HDU智科专业考研指引v1.pptx
@@ -26,47 +26,47 @@
   <p:notesSz cx="6858000" cy="9144000"/>
   <p:embeddedFontLst>
     <p:embeddedFont>
-      <p:font typeface="Aa福禄榜书" panose="00020600040101010101" pitchFamily="18" charset="-122"/>
+      <p:font typeface="仿宋" panose="02010609060101010101" pitchFamily="49" charset="-122"/>
       <p:regular r:id="rId16"/>
     </p:embeddedFont>
     <p:embeddedFont>
+      <p:font typeface="Aa福禄榜书" panose="00020600040101010101" pitchFamily="18" charset="-122"/>
+      <p:regular r:id="rId17"/>
+    </p:embeddedFont>
+    <p:embeddedFont>
       <p:font typeface="Segoe UI" panose="020B0502040204020203" pitchFamily="34" charset="0"/>
-      <p:regular r:id="rId17"/>
-      <p:bold r:id="rId18"/>
-      <p:italic r:id="rId19"/>
-      <p:boldItalic r:id="rId20"/>
+      <p:regular r:id="rId18"/>
+      <p:bold r:id="rId19"/>
+      <p:italic r:id="rId20"/>
+      <p:boldItalic r:id="rId21"/>
     </p:embeddedFont>
     <p:embeddedFont>
       <p:font typeface="Tw Cen MT" panose="020B0602020104020603" pitchFamily="34" charset="0"/>
-      <p:regular r:id="rId21"/>
-      <p:bold r:id="rId22"/>
-      <p:italic r:id="rId23"/>
-      <p:boldItalic r:id="rId24"/>
+      <p:regular r:id="rId22"/>
+      <p:bold r:id="rId23"/>
+      <p:italic r:id="rId24"/>
+      <p:boldItalic r:id="rId25"/>
     </p:embeddedFont>
     <p:embeddedFont>
       <p:font typeface="Tw Cen MT Condensed" panose="020B0606020104020203" pitchFamily="34" charset="0"/>
-      <p:regular r:id="rId25"/>
-      <p:bold r:id="rId26"/>
+      <p:regular r:id="rId26"/>
+      <p:bold r:id="rId27"/>
     </p:embeddedFont>
     <p:embeddedFont>
       <p:font typeface="Wingdings 3" panose="05040102010807070707" pitchFamily="18" charset="2"/>
-      <p:regular r:id="rId27"/>
+      <p:regular r:id="rId28"/>
     </p:embeddedFont>
     <p:embeddedFont>
       <p:font typeface="等线" panose="02010600030101010101" pitchFamily="2" charset="-122"/>
-      <p:regular r:id="rId28"/>
-      <p:bold r:id="rId29"/>
+      <p:regular r:id="rId29"/>
+      <p:bold r:id="rId30"/>
     </p:embeddedFont>
     <p:embeddedFont>
       <p:font typeface="等线 Light" panose="02010600030101010101" pitchFamily="2" charset="-122"/>
-      <p:regular r:id="rId30"/>
+      <p:regular r:id="rId31"/>
     </p:embeddedFont>
     <p:embeddedFont>
       <p:font typeface="方正大标宋简体" panose="03000509000000000000" pitchFamily="65" charset="-122"/>
-      <p:regular r:id="rId31"/>
-    </p:embeddedFont>
-    <p:embeddedFont>
-      <p:font typeface="汉仪正圆-45W" panose="00020600040101010101" pitchFamily="18" charset="-122"/>
       <p:regular r:id="rId32"/>
     </p:embeddedFont>
     <p:embeddedFont>
@@ -289,7 +289,7 @@
           <a:p>
             <a:fld id="{CBE3D678-91B1-416E-8331-0FE75487AFE9}" type="datetimeFigureOut">
               <a:rPr lang="zh-CN" altLang="en-US" smtClean="0"/>
-              <a:t>2025/02/12</a:t>
+              <a:t>2025/03/24</a:t>
             </a:fld>
             <a:endParaRPr lang="zh-CN" altLang="en-US"/>
           </a:p>
@@ -531,7 +531,7 @@
           <a:p>
             <a:fld id="{BBABE942-315C-48B1-95A3-5402AA0736A7}" type="datetimeFigureOut">
               <a:rPr lang="zh-CN" altLang="en-US" smtClean="0"/>
-              <a:t>2025/02/12</a:t>
+              <a:t>2025/03/24</a:t>
             </a:fld>
             <a:endParaRPr lang="zh-CN" altLang="en-US"/>
           </a:p>
@@ -729,7 +729,7 @@
           <a:p>
             <a:fld id="{BBABE942-315C-48B1-95A3-5402AA0736A7}" type="datetimeFigureOut">
               <a:rPr lang="zh-CN" altLang="en-US" smtClean="0"/>
-              <a:t>2025/02/12</a:t>
+              <a:t>2025/03/24</a:t>
             </a:fld>
             <a:endParaRPr lang="zh-CN" altLang="en-US"/>
           </a:p>
@@ -937,7 +937,7 @@
           <a:p>
             <a:fld id="{BBABE942-315C-48B1-95A3-5402AA0736A7}" type="datetimeFigureOut">
               <a:rPr lang="zh-CN" altLang="en-US" smtClean="0"/>
-              <a:t>2025/02/12</a:t>
+              <a:t>2025/03/24</a:t>
             </a:fld>
             <a:endParaRPr lang="zh-CN" altLang="en-US"/>
           </a:p>
@@ -9803,7 +9803,7 @@
           <a:p>
             <a:fld id="{BBABE942-315C-48B1-95A3-5402AA0736A7}" type="datetimeFigureOut">
               <a:rPr lang="zh-CN" altLang="en-US" smtClean="0"/>
-              <a:t>2025/02/12</a:t>
+              <a:t>2025/03/24</a:t>
             </a:fld>
             <a:endParaRPr lang="zh-CN" altLang="en-US"/>
           </a:p>
@@ -10010,7 +10010,7 @@
           <a:p>
             <a:fld id="{BBABE942-315C-48B1-95A3-5402AA0736A7}" type="datetimeFigureOut">
               <a:rPr lang="zh-CN" altLang="en-US" smtClean="0"/>
-              <a:t>2025/02/12</a:t>
+              <a:t>2025/03/24</a:t>
             </a:fld>
             <a:endParaRPr lang="zh-CN" altLang="en-US"/>
           </a:p>
@@ -18908,7 +18908,7 @@
           <a:p>
             <a:fld id="{BBABE942-315C-48B1-95A3-5402AA0736A7}" type="datetimeFigureOut">
               <a:rPr lang="zh-CN" altLang="en-US" smtClean="0"/>
-              <a:t>2025/02/12</a:t>
+              <a:t>2025/03/24</a:t>
             </a:fld>
             <a:endParaRPr lang="zh-CN" altLang="en-US"/>
           </a:p>
@@ -19182,7 +19182,7 @@
           <a:p>
             <a:fld id="{BBABE942-315C-48B1-95A3-5402AA0736A7}" type="datetimeFigureOut">
               <a:rPr lang="zh-CN" altLang="en-US" smtClean="0"/>
-              <a:t>2025/02/12</a:t>
+              <a:t>2025/03/24</a:t>
             </a:fld>
             <a:endParaRPr lang="zh-CN" altLang="en-US"/>
           </a:p>
@@ -19580,7 +19580,7 @@
           <a:p>
             <a:fld id="{BBABE942-315C-48B1-95A3-5402AA0736A7}" type="datetimeFigureOut">
               <a:rPr lang="zh-CN" altLang="en-US" smtClean="0"/>
-              <a:t>2025/02/12</a:t>
+              <a:t>2025/03/24</a:t>
             </a:fld>
             <a:endParaRPr lang="zh-CN" altLang="en-US"/>
           </a:p>
@@ -19698,7 +19698,7 @@
           <a:p>
             <a:fld id="{BBABE942-315C-48B1-95A3-5402AA0736A7}" type="datetimeFigureOut">
               <a:rPr lang="zh-CN" altLang="en-US" smtClean="0"/>
-              <a:t>2025/02/12</a:t>
+              <a:t>2025/03/24</a:t>
             </a:fld>
             <a:endParaRPr lang="zh-CN" altLang="en-US"/>
           </a:p>
@@ -19793,7 +19793,7 @@
           <a:p>
             <a:fld id="{BBABE942-315C-48B1-95A3-5402AA0736A7}" type="datetimeFigureOut">
               <a:rPr lang="zh-CN" altLang="en-US" smtClean="0"/>
-              <a:t>2025/02/12</a:t>
+              <a:t>2025/03/24</a:t>
             </a:fld>
             <a:endParaRPr lang="zh-CN" altLang="en-US"/>
           </a:p>
@@ -20083,7 +20083,7 @@
           <a:p>
             <a:fld id="{BBABE942-315C-48B1-95A3-5402AA0736A7}" type="datetimeFigureOut">
               <a:rPr lang="zh-CN" altLang="en-US" smtClean="0"/>
-              <a:t>2025/02/12</a:t>
+              <a:t>2025/03/24</a:t>
             </a:fld>
             <a:endParaRPr lang="zh-CN" altLang="en-US"/>
           </a:p>
@@ -20269,7 +20269,7 @@
           <a:p>
             <a:fld id="{BBABE942-315C-48B1-95A3-5402AA0736A7}" type="datetimeFigureOut">
               <a:rPr lang="zh-CN" altLang="en-US" smtClean="0"/>
-              <a:t>2025/02/12</a:t>
+              <a:t>2025/03/24</a:t>
             </a:fld>
             <a:endParaRPr lang="zh-CN" altLang="en-US"/>
           </a:p>
@@ -20561,7 +20561,7 @@
           <a:p>
             <a:fld id="{BBABE942-315C-48B1-95A3-5402AA0736A7}" type="datetimeFigureOut">
               <a:rPr lang="zh-CN" altLang="en-US" smtClean="0"/>
-              <a:t>2025/02/12</a:t>
+              <a:t>2025/03/24</a:t>
             </a:fld>
             <a:endParaRPr lang="zh-CN" altLang="en-US"/>
           </a:p>
@@ -20766,7 +20766,7 @@
           <a:p>
             <a:fld id="{BBABE942-315C-48B1-95A3-5402AA0736A7}" type="datetimeFigureOut">
               <a:rPr lang="zh-CN" altLang="en-US" smtClean="0"/>
-              <a:t>2025/02/12</a:t>
+              <a:t>2025/03/24</a:t>
             </a:fld>
             <a:endParaRPr lang="zh-CN" altLang="en-US"/>
           </a:p>
@@ -20946,7 +20946,7 @@
           <a:p>
             <a:fld id="{BBABE942-315C-48B1-95A3-5402AA0736A7}" type="datetimeFigureOut">
               <a:rPr lang="zh-CN" altLang="en-US" smtClean="0"/>
-              <a:t>2025/02/12</a:t>
+              <a:t>2025/03/24</a:t>
             </a:fld>
             <a:endParaRPr lang="zh-CN" altLang="en-US"/>
           </a:p>
@@ -21244,7 +21244,7 @@
           <a:p>
             <a:fld id="{BBABE942-315C-48B1-95A3-5402AA0736A7}" type="datetimeFigureOut">
               <a:rPr lang="zh-CN" altLang="en-US" smtClean="0"/>
-              <a:t>2025/02/12</a:t>
+              <a:t>2025/03/24</a:t>
             </a:fld>
             <a:endParaRPr lang="zh-CN" altLang="en-US"/>
           </a:p>
@@ -21509,7 +21509,7 @@
           <a:p>
             <a:fld id="{BBABE942-315C-48B1-95A3-5402AA0736A7}" type="datetimeFigureOut">
               <a:rPr lang="zh-CN" altLang="en-US" smtClean="0"/>
-              <a:t>2025/02/12</a:t>
+              <a:t>2025/03/24</a:t>
             </a:fld>
             <a:endParaRPr lang="zh-CN" altLang="en-US"/>
           </a:p>
@@ -21921,7 +21921,7 @@
           <a:p>
             <a:fld id="{BBABE942-315C-48B1-95A3-5402AA0736A7}" type="datetimeFigureOut">
               <a:rPr lang="zh-CN" altLang="en-US" smtClean="0"/>
-              <a:t>2025/02/12</a:t>
+              <a:t>2025/03/24</a:t>
             </a:fld>
             <a:endParaRPr lang="zh-CN" altLang="en-US"/>
           </a:p>
@@ -22062,7 +22062,7 @@
           <a:p>
             <a:fld id="{BBABE942-315C-48B1-95A3-5402AA0736A7}" type="datetimeFigureOut">
               <a:rPr lang="zh-CN" altLang="en-US" smtClean="0"/>
-              <a:t>2025/02/12</a:t>
+              <a:t>2025/03/24</a:t>
             </a:fld>
             <a:endParaRPr lang="zh-CN" altLang="en-US"/>
           </a:p>
@@ -22175,7 +22175,7 @@
           <a:p>
             <a:fld id="{BBABE942-315C-48B1-95A3-5402AA0736A7}" type="datetimeFigureOut">
               <a:rPr lang="zh-CN" altLang="en-US" smtClean="0"/>
-              <a:t>2025/02/12</a:t>
+              <a:t>2025/03/24</a:t>
             </a:fld>
             <a:endParaRPr lang="zh-CN" altLang="en-US"/>
           </a:p>
@@ -22486,7 +22486,7 @@
           <a:p>
             <a:fld id="{BBABE942-315C-48B1-95A3-5402AA0736A7}" type="datetimeFigureOut">
               <a:rPr lang="zh-CN" altLang="en-US" smtClean="0"/>
-              <a:t>2025/02/12</a:t>
+              <a:t>2025/03/24</a:t>
             </a:fld>
             <a:endParaRPr lang="zh-CN" altLang="en-US"/>
           </a:p>
@@ -22774,7 +22774,7 @@
           <a:p>
             <a:fld id="{BBABE942-315C-48B1-95A3-5402AA0736A7}" type="datetimeFigureOut">
               <a:rPr lang="zh-CN" altLang="en-US" smtClean="0"/>
-              <a:t>2025/02/12</a:t>
+              <a:t>2025/03/24</a:t>
             </a:fld>
             <a:endParaRPr lang="zh-CN" altLang="en-US"/>
           </a:p>
@@ -23015,7 +23015,7 @@
           <a:p>
             <a:fld id="{BBABE942-315C-48B1-95A3-5402AA0736A7}" type="datetimeFigureOut">
               <a:rPr lang="zh-CN" altLang="en-US" smtClean="0"/>
-              <a:t>2025/02/12</a:t>
+              <a:t>2025/03/24</a:t>
             </a:fld>
             <a:endParaRPr lang="zh-CN" altLang="en-US"/>
           </a:p>
@@ -23569,7 +23569,7 @@
           <a:p>
             <a:fld id="{BBABE942-315C-48B1-95A3-5402AA0736A7}" type="datetimeFigureOut">
               <a:rPr lang="zh-CN" altLang="en-US" smtClean="0"/>
-              <a:t>2025/02/12</a:t>
+              <a:t>2025/03/24</a:t>
             </a:fld>
             <a:endParaRPr lang="zh-CN" altLang="en-US"/>
           </a:p>
@@ -24307,7 +24307,7 @@
         <p:spPr>
           <a:xfrm>
             <a:off x="448407" y="422031"/>
-            <a:ext cx="8802410" cy="584775"/>
+            <a:ext cx="8828058" cy="584775"/>
           </a:xfrm>
           <a:prstGeom prst="rect">
             <a:avLst/>
@@ -24328,14 +24328,14 @@
               <a:t>观点辨析：</a:t>
             </a:r>
             <a:r>
-              <a:rPr lang="zh-CN" altLang="en-US" sz="3200" dirty="0">
+              <a:rPr lang="zh-CN" altLang="en-US" sz="3200" b="1" dirty="0">
                 <a:solidFill>
                   <a:schemeClr val="accent6"/>
                 </a:solidFill>
-                <a:latin typeface="汉仪正圆-45W" panose="00020600040101010101" pitchFamily="18" charset="-122"/>
-                <a:ea typeface="汉仪正圆-45W" panose="00020600040101010101" pitchFamily="18" charset="-122"/>
+                <a:latin typeface="仿宋" panose="02010609060101010101" pitchFamily="49" charset="-122"/>
+                <a:ea typeface="仿宋" panose="02010609060101010101" pitchFamily="49" charset="-122"/>
               </a:rPr>
-              <a:t>笔试课程考高分，就能考上好大学？</a:t>
+              <a:t>课内知识学的好，就能考上好大学？</a:t>
             </a:r>
           </a:p>
         </p:txBody>
@@ -24702,7 +24702,7 @@
                 <a:effectLst/>
                 <a:latin typeface="+mn-ea"/>
               </a:rPr>
-              <a:t>       赶紧做规划！多做科研竞赛！！！也可以尝试寻找考研指导老师。</a:t>
+              <a:t>       赶紧做规划！多做科研竞赛！！！</a:t>
             </a:r>
             <a:endParaRPr lang="en-US" altLang="zh-CN" sz="2000" i="0" dirty="0">
               <a:effectLst/>
@@ -26532,7 +26532,7 @@
           <p:nvPr>
             <p:extLst>
               <p:ext uri="{D42A27DB-BD31-4B8C-83A1-F6EECF244321}">
-                <p14:modId xmlns:p14="http://schemas.microsoft.com/office/powerpoint/2010/main" val="3364335961"/>
+                <p14:modId xmlns:p14="http://schemas.microsoft.com/office/powerpoint/2010/main" val="3533558052"/>
               </p:ext>
             </p:extLst>
           </p:nvPr>
@@ -36665,7 +36665,7 @@
         <p:spPr>
           <a:xfrm>
             <a:off x="439441" y="1390650"/>
-            <a:ext cx="6893687" cy="4514184"/>
+            <a:ext cx="6893687" cy="5104987"/>
           </a:xfrm>
           <a:prstGeom prst="rect">
             <a:avLst/>
@@ -36684,7 +36684,7 @@
               </a:lnSpc>
             </a:pPr>
             <a:r>
-              <a:rPr lang="zh-CN" altLang="en-US" sz="2800" b="1" dirty="0">
+              <a:rPr lang="zh-CN" altLang="en-US" sz="3200" b="1" dirty="0">
                 <a:solidFill>
                   <a:srgbClr val="0070C0"/>
                 </a:solidFill>
@@ -36692,7 +36692,7 @@
               <a:t>计算机学科专业基础综合</a:t>
             </a:r>
             <a:r>
-              <a:rPr lang="en-US" altLang="zh-CN" sz="2800" b="1" dirty="0">
+              <a:rPr lang="en-US" altLang="zh-CN" sz="3200" b="1" dirty="0">
                 <a:solidFill>
                   <a:srgbClr val="0070C0"/>
                 </a:solidFill>
@@ -36707,7 +36707,7 @@
               </a:lnSpc>
             </a:pPr>
             <a:r>
-              <a:rPr lang="en-US" altLang="zh-CN" dirty="0">
+              <a:rPr lang="en-US" altLang="zh-CN" sz="2000" dirty="0">
                 <a:solidFill>
                   <a:srgbClr val="FF0000"/>
                 </a:solidFill>
@@ -36715,7 +36715,7 @@
               <a:t>《</a:t>
             </a:r>
             <a:r>
-              <a:rPr lang="zh-CN" altLang="en-US" dirty="0">
+              <a:rPr lang="zh-CN" altLang="en-US" sz="2000" dirty="0">
                 <a:solidFill>
                   <a:srgbClr val="FF0000"/>
                 </a:solidFill>
@@ -36723,7 +36723,7 @@
               <a:t>数据结构</a:t>
             </a:r>
             <a:r>
-              <a:rPr lang="en-US" altLang="zh-CN" dirty="0">
+              <a:rPr lang="en-US" altLang="zh-CN" sz="2000" dirty="0">
                 <a:solidFill>
                   <a:srgbClr val="FF0000"/>
                 </a:solidFill>
@@ -36731,12 +36731,12 @@
               <a:t>》45</a:t>
             </a:r>
             <a:r>
-              <a:rPr lang="zh-CN" altLang="en-US" dirty="0">
+              <a:rPr lang="zh-CN" altLang="en-US" sz="2000" dirty="0">
                 <a:solidFill>
                   <a:srgbClr val="FF0000"/>
                 </a:solidFill>
               </a:rPr>
-              <a:t>分  → 智科学了但“不精”，分值占比大，需重视</a:t>
+              <a:t>分  →  分值占比大，需重视</a:t>
             </a:r>
           </a:p>
           <a:p>
@@ -36746,19 +36746,35 @@
               </a:lnSpc>
             </a:pPr>
             <a:r>
-              <a:rPr lang="en-US" altLang="zh-CN" dirty="0"/>
+              <a:rPr lang="en-US" altLang="zh-CN" sz="2000" dirty="0">
+                <a:solidFill>
+                  <a:srgbClr val="FF0000"/>
+                </a:solidFill>
+              </a:rPr>
               <a:t>《</a:t>
             </a:r>
             <a:r>
-              <a:rPr lang="zh-CN" altLang="en-US" dirty="0"/>
+              <a:rPr lang="zh-CN" altLang="en-US" sz="2000" dirty="0">
+                <a:solidFill>
+                  <a:srgbClr val="FF0000"/>
+                </a:solidFill>
+              </a:rPr>
               <a:t>计算机组成原理</a:t>
             </a:r>
             <a:r>
-              <a:rPr lang="en-US" altLang="zh-CN" dirty="0"/>
+              <a:rPr lang="en-US" altLang="zh-CN" sz="2000" dirty="0">
+                <a:solidFill>
+                  <a:srgbClr val="FF0000"/>
+                </a:solidFill>
+              </a:rPr>
               <a:t>》45</a:t>
             </a:r>
             <a:r>
-              <a:rPr lang="zh-CN" altLang="en-US" dirty="0"/>
+              <a:rPr lang="zh-CN" altLang="en-US" sz="2000" dirty="0">
+                <a:solidFill>
+                  <a:srgbClr val="FF0000"/>
+                </a:solidFill>
+              </a:rPr>
               <a:t>分</a:t>
             </a:r>
           </a:p>
@@ -36769,48 +36785,40 @@
               </a:lnSpc>
             </a:pPr>
             <a:r>
-              <a:rPr lang="en-US" altLang="zh-CN" dirty="0"/>
+              <a:rPr lang="en-US" altLang="zh-CN" sz="2000" dirty="0">
+                <a:solidFill>
+                  <a:srgbClr val="FF0000"/>
+                </a:solidFill>
+              </a:rPr>
               <a:t>《</a:t>
             </a:r>
             <a:r>
-              <a:rPr lang="zh-CN" altLang="en-US" dirty="0"/>
+              <a:rPr lang="zh-CN" altLang="en-US" sz="2000" dirty="0">
+                <a:solidFill>
+                  <a:srgbClr val="FF0000"/>
+                </a:solidFill>
+              </a:rPr>
               <a:t>操作系统</a:t>
             </a:r>
             <a:r>
-              <a:rPr lang="en-US" altLang="zh-CN" dirty="0"/>
+              <a:rPr lang="en-US" altLang="zh-CN" sz="2000" dirty="0">
+                <a:solidFill>
+                  <a:srgbClr val="FF0000"/>
+                </a:solidFill>
+              </a:rPr>
               <a:t>》35</a:t>
             </a:r>
             <a:r>
-              <a:rPr lang="zh-CN" altLang="en-US" dirty="0"/>
+              <a:rPr lang="zh-CN" altLang="en-US" sz="2000" dirty="0">
+                <a:solidFill>
+                  <a:srgbClr val="FF0000"/>
+                </a:solidFill>
+              </a:rPr>
               <a:t>分</a:t>
             </a:r>
-            <a:endParaRPr lang="en-US" altLang="zh-CN" dirty="0"/>
-          </a:p>
-          <a:p>
-            <a:pPr>
-              <a:lnSpc>
-                <a:spcPct val="150000"/>
-              </a:lnSpc>
-            </a:pPr>
-            <a:r>
-              <a:rPr lang="en-US" altLang="zh-CN" dirty="0"/>
-              <a:t>《</a:t>
-            </a:r>
-            <a:r>
-              <a:rPr lang="zh-CN" altLang="en-US" dirty="0"/>
-              <a:t>计算机网络</a:t>
-            </a:r>
-            <a:r>
-              <a:rPr lang="en-US" altLang="zh-CN" dirty="0"/>
-              <a:t>》25</a:t>
-            </a:r>
-            <a:r>
-              <a:rPr lang="zh-CN" altLang="en-US" dirty="0"/>
-              <a:t>分</a:t>
-            </a:r>
-            <a:endParaRPr lang="en-US" altLang="zh-CN" sz="2800" dirty="0">
+            <a:endParaRPr lang="en-US" altLang="zh-CN" sz="2000" dirty="0">
               <a:solidFill>
-                <a:srgbClr val="0070C0"/>
+                <a:srgbClr val="FF0000"/>
               </a:solidFill>
             </a:endParaRPr>
           </a:p>
@@ -36820,7 +36828,43 @@
                 <a:spcPct val="150000"/>
               </a:lnSpc>
             </a:pPr>
-            <a:endParaRPr lang="zh-CN" altLang="en-US" dirty="0"/>
+            <a:r>
+              <a:rPr lang="en-US" altLang="zh-CN" sz="2000" dirty="0">
+                <a:solidFill>
+                  <a:srgbClr val="FF0000"/>
+                </a:solidFill>
+              </a:rPr>
+              <a:t>《</a:t>
+            </a:r>
+            <a:r>
+              <a:rPr lang="zh-CN" altLang="en-US" sz="2000" dirty="0">
+                <a:solidFill>
+                  <a:srgbClr val="FF0000"/>
+                </a:solidFill>
+              </a:rPr>
+              <a:t>计算机网络</a:t>
+            </a:r>
+            <a:r>
+              <a:rPr lang="en-US" altLang="zh-CN" sz="2000" dirty="0">
+                <a:solidFill>
+                  <a:srgbClr val="FF0000"/>
+                </a:solidFill>
+              </a:rPr>
+              <a:t>》25</a:t>
+            </a:r>
+            <a:r>
+              <a:rPr lang="zh-CN" altLang="en-US" sz="2000" dirty="0">
+                <a:solidFill>
+                  <a:srgbClr val="FF0000"/>
+                </a:solidFill>
+              </a:rPr>
+              <a:t>分</a:t>
+            </a:r>
+            <a:endParaRPr lang="en-US" altLang="zh-CN" sz="3200" dirty="0">
+              <a:solidFill>
+                <a:srgbClr val="FF0000"/>
+              </a:solidFill>
+            </a:endParaRPr>
           </a:p>
           <a:p>
             <a:pPr>
@@ -36828,15 +36872,23 @@
                 <a:spcPct val="150000"/>
               </a:lnSpc>
             </a:pPr>
-            <a:r>
-              <a:rPr lang="zh-CN" altLang="en-US" sz="2800" dirty="0">
+            <a:endParaRPr lang="zh-CN" altLang="en-US" sz="2000" dirty="0"/>
+          </a:p>
+          <a:p>
+            <a:pPr>
+              <a:lnSpc>
+                <a:spcPct val="150000"/>
+              </a:lnSpc>
+            </a:pPr>
+            <a:r>
+              <a:rPr lang="zh-CN" altLang="en-US" sz="3200" dirty="0">
                 <a:solidFill>
                   <a:schemeClr val="accent6"/>
                 </a:solidFill>
               </a:rPr>
               <a:t>备考路径：</a:t>
             </a:r>
-            <a:endParaRPr lang="en-US" altLang="zh-CN" sz="2800" dirty="0">
+            <a:endParaRPr lang="en-US" altLang="zh-CN" sz="3200" dirty="0">
               <a:solidFill>
                 <a:schemeClr val="accent6"/>
               </a:solidFill>
@@ -36849,36 +36901,30 @@
               </a:lnSpc>
             </a:pPr>
             <a:r>
-              <a:rPr lang="zh-CN" altLang="en-US" dirty="0"/>
+              <a:rPr lang="zh-CN" altLang="en-US" sz="2000" dirty="0"/>
               <a:t>①</a:t>
             </a:r>
             <a:r>
-              <a:rPr lang="zh-CN" altLang="en-US" sz="2400" dirty="0"/>
+              <a:rPr lang="zh-CN" altLang="en-US" sz="2800" dirty="0"/>
               <a:t> </a:t>
             </a:r>
             <a:r>
-              <a:rPr lang="en-US" altLang="zh-CN" sz="2400" dirty="0" err="1">
-                <a:solidFill>
-                  <a:srgbClr val="00B0F0"/>
-                </a:solidFill>
+              <a:rPr lang="en-US" altLang="zh-CN" sz="2800" dirty="0" err="1">
                 <a:latin typeface="+mn-ea"/>
               </a:rPr>
               <a:t>Bilibili</a:t>
             </a:r>
             <a:r>
-              <a:rPr lang="zh-CN" altLang="en-US" sz="2400" dirty="0">
-                <a:solidFill>
-                  <a:srgbClr val="00B0F0"/>
-                </a:solidFill>
+              <a:rPr lang="zh-CN" altLang="en-US" sz="2800" dirty="0">
                 <a:latin typeface="+mn-ea"/>
               </a:rPr>
-              <a:t>大学</a:t>
-            </a:r>
-            <a:r>
-              <a:rPr lang="zh-CN" altLang="en-US" dirty="0"/>
+              <a:t> </a:t>
+            </a:r>
+            <a:r>
+              <a:rPr lang="zh-CN" altLang="en-US" sz="2000" dirty="0"/>
               <a:t>网课自学</a:t>
             </a:r>
-            <a:endParaRPr lang="en-US" altLang="zh-CN" dirty="0"/>
+            <a:endParaRPr lang="en-US" altLang="zh-CN" sz="2000" dirty="0"/>
           </a:p>
           <a:p>
             <a:pPr>
@@ -36887,20 +36933,20 @@
               </a:lnSpc>
             </a:pPr>
             <a:r>
-              <a:rPr lang="zh-CN" altLang="en-US" dirty="0"/>
+              <a:rPr lang="zh-CN" altLang="en-US" sz="2000" dirty="0"/>
               <a:t>② </a:t>
             </a:r>
             <a:r>
-              <a:rPr lang="zh-CN" altLang="en-US" sz="2400" dirty="0">
-                <a:solidFill>
-                  <a:srgbClr val="FF0000"/>
-                </a:solidFill>
-              </a:rPr>
-              <a:t>线下报班</a:t>
-            </a:r>
-            <a:r>
-              <a:rPr lang="zh-CN" altLang="en-US" dirty="0"/>
-              <a:t>系统性学习</a:t>
+              <a:rPr lang="en-US" altLang="zh-CN" sz="2800" dirty="0"/>
+              <a:t>HDU</a:t>
+            </a:r>
+            <a:r>
+              <a:rPr lang="zh-CN" altLang="en-US" sz="2800" dirty="0"/>
+              <a:t>计院 </a:t>
+            </a:r>
+            <a:r>
+              <a:rPr lang="zh-CN" altLang="en-US" sz="2000" dirty="0"/>
+              <a:t>串班旁听</a:t>
             </a:r>
           </a:p>
         </p:txBody>
@@ -36927,8 +36973,8 @@
         </p:blipFill>
         <p:spPr>
           <a:xfrm>
-            <a:off x="7183131" y="1562758"/>
-            <a:ext cx="4569428" cy="4169968"/>
+            <a:off x="6893169" y="1885536"/>
+            <a:ext cx="4859390" cy="4434581"/>
           </a:xfrm>
           <a:prstGeom prst="rect">
             <a:avLst/>

--- a/2.智科-考研专区/HDU智科专业考研指引v1.pptx
+++ b/2.智科-考研专区/HDU智科专业考研指引v1.pptx
@@ -26,47 +26,47 @@
   <p:notesSz cx="6858000" cy="9144000"/>
   <p:embeddedFontLst>
     <p:embeddedFont>
-      <p:font typeface="仿宋" panose="02010609060101010101" pitchFamily="49" charset="-122"/>
+      <p:font typeface="Aa福禄榜书" panose="00020600040101010101" pitchFamily="18" charset="-122"/>
       <p:regular r:id="rId16"/>
     </p:embeddedFont>
     <p:embeddedFont>
-      <p:font typeface="Aa福禄榜书" panose="00020600040101010101" pitchFamily="18" charset="-122"/>
+      <p:font typeface="Segoe UI" panose="020B0502040204020203" pitchFamily="34" charset="0"/>
       <p:regular r:id="rId17"/>
-    </p:embeddedFont>
-    <p:embeddedFont>
-      <p:font typeface="Segoe UI" panose="020B0502040204020203" pitchFamily="34" charset="0"/>
-      <p:regular r:id="rId18"/>
-      <p:bold r:id="rId19"/>
-      <p:italic r:id="rId20"/>
-      <p:boldItalic r:id="rId21"/>
+      <p:bold r:id="rId18"/>
+      <p:italic r:id="rId19"/>
+      <p:boldItalic r:id="rId20"/>
     </p:embeddedFont>
     <p:embeddedFont>
       <p:font typeface="Tw Cen MT" panose="020B0602020104020603" pitchFamily="34" charset="0"/>
-      <p:regular r:id="rId22"/>
-      <p:bold r:id="rId23"/>
-      <p:italic r:id="rId24"/>
-      <p:boldItalic r:id="rId25"/>
+      <p:regular r:id="rId21"/>
+      <p:bold r:id="rId22"/>
+      <p:italic r:id="rId23"/>
+      <p:boldItalic r:id="rId24"/>
     </p:embeddedFont>
     <p:embeddedFont>
       <p:font typeface="Tw Cen MT Condensed" panose="020B0606020104020203" pitchFamily="34" charset="0"/>
-      <p:regular r:id="rId26"/>
-      <p:bold r:id="rId27"/>
+      <p:regular r:id="rId25"/>
+      <p:bold r:id="rId26"/>
     </p:embeddedFont>
     <p:embeddedFont>
       <p:font typeface="Wingdings 3" panose="05040102010807070707" pitchFamily="18" charset="2"/>
-      <p:regular r:id="rId28"/>
+      <p:regular r:id="rId27"/>
     </p:embeddedFont>
     <p:embeddedFont>
       <p:font typeface="等线" panose="02010600030101010101" pitchFamily="2" charset="-122"/>
-      <p:regular r:id="rId29"/>
-      <p:bold r:id="rId30"/>
+      <p:regular r:id="rId28"/>
+      <p:bold r:id="rId29"/>
     </p:embeddedFont>
     <p:embeddedFont>
       <p:font typeface="等线 Light" panose="02010600030101010101" pitchFamily="2" charset="-122"/>
+      <p:regular r:id="rId30"/>
+    </p:embeddedFont>
+    <p:embeddedFont>
+      <p:font typeface="方正大标宋简体" panose="03000509000000000000" pitchFamily="65" charset="-122"/>
       <p:regular r:id="rId31"/>
     </p:embeddedFont>
     <p:embeddedFont>
-      <p:font typeface="方正大标宋简体" panose="03000509000000000000" pitchFamily="65" charset="-122"/>
+      <p:font typeface="仿宋" panose="02010609060101010101" pitchFamily="49" charset="-122"/>
       <p:regular r:id="rId32"/>
     </p:embeddedFont>
     <p:embeddedFont>
@@ -24963,15 +24963,7 @@
           <a:p>
             <a:r>
               <a:rPr lang="zh-CN" altLang="en-US" dirty="0"/>
-              <a:t>客观来说，</a:t>
-            </a:r>
-            <a:r>
-              <a:rPr lang="zh-CN" altLang="en-US" b="1" dirty="0"/>
-              <a:t>政治和专业课</a:t>
-            </a:r>
-            <a:r>
-              <a:rPr lang="zh-CN" altLang="en-US" dirty="0"/>
-              <a:t>报班是有必要的，英语和数学则因人而异。</a:t>
+              <a:t>考研要培养的是：有自学能力、热爱科研的人。</a:t>
             </a:r>
             <a:endParaRPr lang="en-US" altLang="zh-CN" dirty="0"/>
           </a:p>
@@ -24981,13 +24973,7 @@
           <a:p>
             <a:r>
               <a:rPr lang="zh-CN" altLang="en-US" dirty="0"/>
-              <a:t>参考阅读：</a:t>
-            </a:r>
-            <a:r>
-              <a:rPr lang="zh-CN" altLang="en-US" dirty="0">
-                <a:hlinkClick r:id="rId2"/>
-              </a:rPr>
-              <a:t>https://zhuanlan.zhihu.com/p/540124699</a:t>
+              <a:t>不喜欢科研、不会自学，就没必要考研，考进了也是坐牢三年。</a:t>
             </a:r>
             <a:endParaRPr lang="en-US" altLang="zh-CN" dirty="0"/>
           </a:p>
@@ -26209,7 +26195,7 @@
         <p:spPr>
           <a:xfrm>
             <a:off x="852852" y="1538352"/>
-            <a:ext cx="10436471" cy="4370427"/>
+            <a:ext cx="10436471" cy="3170099"/>
           </a:xfrm>
           <a:prstGeom prst="rect">
             <a:avLst/>
@@ -26342,9 +26328,6 @@
             <a:endParaRPr lang="en-US" altLang="zh-CN" sz="2000" dirty="0"/>
           </a:p>
           <a:p>
-            <a:endParaRPr lang="en-US" altLang="zh-CN" sz="2000" dirty="0"/>
-          </a:p>
-          <a:p>
             <a:r>
               <a:rPr lang="zh-CN" altLang="en-US" sz="2000" dirty="0"/>
               <a:t>方向较为迷茫？</a:t>
@@ -26354,22 +26337,26 @@
                 <a:latin typeface="华文中宋" panose="02010600040101010101" pitchFamily="2" charset="-122"/>
                 <a:ea typeface="华文中宋" panose="02010600040101010101" pitchFamily="2" charset="-122"/>
               </a:rPr>
-              <a:t>寻求专业的指导老师针对性给出备考决策。</a:t>
+              <a:t>寻求 学长学姐</a:t>
+            </a:r>
+            <a:r>
+              <a:rPr lang="en-US" altLang="zh-CN" sz="2400" dirty="0">
+                <a:latin typeface="华文中宋" panose="02010600040101010101" pitchFamily="2" charset="-122"/>
+                <a:ea typeface="华文中宋" panose="02010600040101010101" pitchFamily="2" charset="-122"/>
+              </a:rPr>
+              <a:t>/</a:t>
+            </a:r>
+            <a:r>
+              <a:rPr lang="zh-CN" altLang="en-US" sz="2400" dirty="0">
+                <a:latin typeface="华文中宋" panose="02010600040101010101" pitchFamily="2" charset="-122"/>
+                <a:ea typeface="华文中宋" panose="02010600040101010101" pitchFamily="2" charset="-122"/>
+              </a:rPr>
+              <a:t>指导老师 针对性给出备考决策。</a:t>
             </a:r>
             <a:endParaRPr lang="en-US" altLang="zh-CN" sz="2400" dirty="0">
               <a:latin typeface="华文中宋" panose="02010600040101010101" pitchFamily="2" charset="-122"/>
               <a:ea typeface="华文中宋" panose="02010600040101010101" pitchFamily="2" charset="-122"/>
             </a:endParaRPr>
-          </a:p>
-          <a:p>
-            <a:endParaRPr lang="en-US" altLang="zh-CN" dirty="0"/>
-          </a:p>
-          <a:p>
-            <a:r>
-              <a:rPr lang="zh-CN" altLang="en-US" dirty="0"/>
-              <a:t>（注意：市面上存在较多的推销，可能存在“指导老师是大专生”的幽默事件，一些正规辅导机构会安排学生联络人代引荐指导老师，可先与学生联络人进行沟通，尽可能规避收费和强制报课等行为。）</a:t>
-            </a:r>
-            <a:endParaRPr lang="en-US" altLang="zh-CN" dirty="0"/>
           </a:p>
         </p:txBody>
       </p:sp>
